--- a/slides/slide_3.pptx
+++ b/slides/slide_3.pptx
@@ -19,7 +19,6 @@
     <p:sldId id="285" r:id="rId13"/>
     <p:sldId id="286" r:id="rId14"/>
     <p:sldId id="287" r:id="rId15"/>
-    <p:sldId id="265" r:id="rId16"/>
   </p:sldIdLst>
   <p:sldSz cx="12192000" cy="6858000"/>
   <p:notesSz cx="6858000" cy="9144000"/>
@@ -849,7 +848,7 @@
             <a:fld id="{B61BEF0D-F0BB-DE4B-95CE-6DB70DBA9567}" type="datetimeFigureOut">
               <a:rPr lang="en-US" dirty="0"/>
               <a:pPr/>
-              <a:t>6/11/2014</a:t>
+              <a:t>6/12/2014</a:t>
             </a:fld>
             <a:endParaRPr lang="en-US" dirty="0"/>
           </a:p>
@@ -1097,7 +1096,7 @@
             <a:fld id="{B61BEF0D-F0BB-DE4B-95CE-6DB70DBA9567}" type="datetimeFigureOut">
               <a:rPr lang="en-US" dirty="0"/>
               <a:pPr/>
-              <a:t>6/11/2014</a:t>
+              <a:t>6/12/2014</a:t>
             </a:fld>
             <a:endParaRPr lang="en-US" dirty="0"/>
           </a:p>
@@ -1408,7 +1407,7 @@
             <a:fld id="{B61BEF0D-F0BB-DE4B-95CE-6DB70DBA9567}" type="datetimeFigureOut">
               <a:rPr lang="en-US" dirty="0"/>
               <a:pPr/>
-              <a:t>6/11/2014</a:t>
+              <a:t>6/12/2014</a:t>
             </a:fld>
             <a:endParaRPr lang="en-US" dirty="0"/>
           </a:p>
@@ -1746,7 +1745,7 @@
             <a:fld id="{B61BEF0D-F0BB-DE4B-95CE-6DB70DBA9567}" type="datetimeFigureOut">
               <a:rPr lang="en-US" dirty="0"/>
               <a:pPr/>
-              <a:t>6/11/2014</a:t>
+              <a:t>6/12/2014</a:t>
             </a:fld>
             <a:endParaRPr lang="en-US" dirty="0"/>
           </a:p>
@@ -2057,7 +2056,7 @@
             <a:fld id="{B61BEF0D-F0BB-DE4B-95CE-6DB70DBA9567}" type="datetimeFigureOut">
               <a:rPr lang="en-US" dirty="0"/>
               <a:pPr/>
-              <a:t>6/11/2014</a:t>
+              <a:t>6/12/2014</a:t>
             </a:fld>
             <a:endParaRPr lang="en-US" dirty="0"/>
           </a:p>
@@ -2447,7 +2446,7 @@
             <a:fld id="{B61BEF0D-F0BB-DE4B-95CE-6DB70DBA9567}" type="datetimeFigureOut">
               <a:rPr lang="en-US" dirty="0"/>
               <a:pPr/>
-              <a:t>6/11/2014</a:t>
+              <a:t>6/12/2014</a:t>
             </a:fld>
             <a:endParaRPr lang="en-US" dirty="0"/>
           </a:p>
@@ -2645,7 +2644,7 @@
           <a:p>
             <a:fld id="{55C6B4A9-1611-4792-9094-5F34BCA07E0B}" type="datetimeFigureOut">
               <a:rPr lang="en-US" dirty="0"/>
-              <a:t>6/11/2014</a:t>
+              <a:t>6/12/2014</a:t>
             </a:fld>
             <a:endParaRPr lang="en-US" dirty="0"/>
           </a:p>
@@ -2853,7 +2852,7 @@
             <a:fld id="{B61BEF0D-F0BB-DE4B-95CE-6DB70DBA9567}" type="datetimeFigureOut">
               <a:rPr lang="en-US" dirty="0"/>
               <a:pPr/>
-              <a:t>6/11/2014</a:t>
+              <a:t>6/12/2014</a:t>
             </a:fld>
             <a:endParaRPr lang="en-US" dirty="0"/>
           </a:p>
@@ -3058,7 +3057,7 @@
             <a:fld id="{B61BEF0D-F0BB-DE4B-95CE-6DB70DBA9567}" type="datetimeFigureOut">
               <a:rPr lang="en-US" dirty="0"/>
               <a:pPr/>
-              <a:t>6/11/2014</a:t>
+              <a:t>6/12/2014</a:t>
             </a:fld>
             <a:endParaRPr lang="en-US" dirty="0"/>
           </a:p>
@@ -3302,7 +3301,7 @@
             <a:fld id="{B61BEF0D-F0BB-DE4B-95CE-6DB70DBA9567}" type="datetimeFigureOut">
               <a:rPr lang="en-US" dirty="0"/>
               <a:pPr/>
-              <a:t>6/11/2014</a:t>
+              <a:t>6/12/2014</a:t>
             </a:fld>
             <a:endParaRPr lang="en-US" dirty="0"/>
           </a:p>
@@ -3594,7 +3593,7 @@
           <a:p>
             <a:fld id="{EB712588-04B1-427B-82EE-E8DB90309F08}" type="datetimeFigureOut">
               <a:rPr lang="en-US" dirty="0"/>
-              <a:t>6/11/2014</a:t>
+              <a:t>6/12/2014</a:t>
             </a:fld>
             <a:endParaRPr lang="en-US" dirty="0"/>
           </a:p>
@@ -4028,7 +4027,7 @@
             <a:fld id="{B61BEF0D-F0BB-DE4B-95CE-6DB70DBA9567}" type="datetimeFigureOut">
               <a:rPr lang="en-US" dirty="0"/>
               <a:pPr/>
-              <a:t>6/11/2014</a:t>
+              <a:t>6/12/2014</a:t>
             </a:fld>
             <a:endParaRPr lang="en-US" dirty="0"/>
           </a:p>
@@ -4148,7 +4147,7 @@
             <a:fld id="{B61BEF0D-F0BB-DE4B-95CE-6DB70DBA9567}" type="datetimeFigureOut">
               <a:rPr lang="en-US" dirty="0"/>
               <a:pPr/>
-              <a:t>6/11/2014</a:t>
+              <a:t>6/12/2014</a:t>
             </a:fld>
             <a:endParaRPr lang="en-US" dirty="0"/>
           </a:p>
@@ -4240,7 +4239,7 @@
             <a:fld id="{B61BEF0D-F0BB-DE4B-95CE-6DB70DBA9567}" type="datetimeFigureOut">
               <a:rPr lang="en-US" dirty="0"/>
               <a:pPr/>
-              <a:t>6/11/2014</a:t>
+              <a:t>6/12/2014</a:t>
             </a:fld>
             <a:endParaRPr lang="en-US" dirty="0"/>
           </a:p>
@@ -4523,7 +4522,7 @@
           <a:p>
             <a:fld id="{42A54C80-263E-416B-A8E0-580EDEADCBDC}" type="datetimeFigureOut">
               <a:rPr lang="en-US" dirty="0"/>
-              <a:t>6/11/2014</a:t>
+              <a:t>6/12/2014</a:t>
             </a:fld>
             <a:endParaRPr lang="en-US" dirty="0"/>
           </a:p>
@@ -4782,7 +4781,7 @@
             <a:fld id="{B61BEF0D-F0BB-DE4B-95CE-6DB70DBA9567}" type="datetimeFigureOut">
               <a:rPr lang="en-US" dirty="0"/>
               <a:pPr/>
-              <a:t>6/11/2014</a:t>
+              <a:t>6/12/2014</a:t>
             </a:fld>
             <a:endParaRPr lang="en-US" dirty="0"/>
           </a:p>
@@ -5554,7 +5553,7 @@
             <a:fld id="{B61BEF0D-F0BB-DE4B-95CE-6DB70DBA9567}" type="datetimeFigureOut">
               <a:rPr lang="en-US" dirty="0"/>
               <a:pPr/>
-              <a:t>6/11/2014</a:t>
+              <a:t>6/12/2014</a:t>
             </a:fld>
             <a:endParaRPr lang="en-US" dirty="0"/>
           </a:p>
@@ -7226,301 +7225,6 @@
 </p:sld>
 </file>
 
-<file path=ppt/slides/slide15.xml><?xml version="1.0" encoding="utf-8"?>
-<p:sld xmlns:a="http://schemas.openxmlformats.org/drawingml/2006/main" xmlns:r="http://schemas.openxmlformats.org/officeDocument/2006/relationships" xmlns:p="http://schemas.openxmlformats.org/presentationml/2006/main">
-  <p:cSld>
-    <p:spTree>
-      <p:nvGrpSpPr>
-        <p:cNvPr id="1" name=""/>
-        <p:cNvGrpSpPr/>
-        <p:nvPr/>
-      </p:nvGrpSpPr>
-      <p:grpSpPr>
-        <a:xfrm>
-          <a:off x="0" y="0"/>
-          <a:ext cx="0" cy="0"/>
-          <a:chOff x="0" y="0"/>
-          <a:chExt cx="0" cy="0"/>
-        </a:xfrm>
-      </p:grpSpPr>
-      <p:sp>
-        <p:nvSpPr>
-          <p:cNvPr id="2" name="タイトル 1"/>
-          <p:cNvSpPr>
-            <a:spLocks noGrp="1"/>
-          </p:cNvSpPr>
-          <p:nvPr>
-            <p:ph type="title"/>
-          </p:nvPr>
-        </p:nvSpPr>
-        <p:spPr/>
-        <p:txBody>
-          <a:bodyPr/>
-          <a:lstStyle/>
-          <a:p>
-            <a:r>
-              <a:rPr lang="ja-JP" altLang="en-US" dirty="0" smtClean="0"/>
-              <a:t>練習問題</a:t>
-            </a:r>
-            <a:endParaRPr kumimoji="1" lang="ja-JP" altLang="en-US" dirty="0"/>
-          </a:p>
-        </p:txBody>
-      </p:sp>
-      <p:sp>
-        <p:nvSpPr>
-          <p:cNvPr id="3" name="コンテンツ プレースホルダー 2"/>
-          <p:cNvSpPr>
-            <a:spLocks noGrp="1"/>
-          </p:cNvSpPr>
-          <p:nvPr>
-            <p:ph idx="1"/>
-          </p:nvPr>
-        </p:nvSpPr>
-        <p:spPr>
-          <a:xfrm>
-            <a:off x="677333" y="2160589"/>
-            <a:ext cx="9644677" cy="4561487"/>
-          </a:xfrm>
-        </p:spPr>
-        <p:txBody>
-          <a:bodyPr/>
-          <a:lstStyle/>
-          <a:p>
-            <a:pPr>
-              <a:buFont typeface="+mj-lt"/>
-              <a:buAutoNum type="arabicPeriod"/>
-            </a:pPr>
-            <a:r>
-              <a:rPr lang="en-US" altLang="ja-JP" dirty="0" err="1" smtClean="0"/>
-              <a:t>yacc</a:t>
-            </a:r>
-            <a:r>
-              <a:rPr lang="en-US" altLang="ja-JP" dirty="0" smtClean="0"/>
-              <a:t> </a:t>
-            </a:r>
-            <a:r>
-              <a:rPr lang="ja-JP" altLang="en-US" dirty="0" smtClean="0"/>
-              <a:t>の出力を </a:t>
-            </a:r>
-            <a:r>
-              <a:rPr lang="en-US" altLang="ja-JP" dirty="0" smtClean="0"/>
-              <a:t>C++ </a:t>
-            </a:r>
-            <a:r>
-              <a:rPr lang="ja-JP" altLang="en-US" dirty="0" smtClean="0"/>
-              <a:t>にしてみよう </a:t>
-            </a:r>
-            <a:r>
-              <a:rPr lang="en-US" altLang="ja-JP" dirty="0" smtClean="0"/>
-              <a:t>(C </a:t>
-            </a:r>
-            <a:r>
-              <a:rPr lang="ja-JP" altLang="en-US" dirty="0" smtClean="0"/>
-              <a:t>で書く人はこの問題は無視してください</a:t>
-            </a:r>
-            <a:r>
-              <a:rPr lang="en-US" altLang="ja-JP" dirty="0" smtClean="0"/>
-              <a:t>)</a:t>
-            </a:r>
-          </a:p>
-          <a:p>
-            <a:pPr>
-              <a:buFont typeface="+mj-lt"/>
-              <a:buAutoNum type="arabicPeriod"/>
-            </a:pPr>
-            <a:r>
-              <a:rPr lang="ja-JP" altLang="en-US" dirty="0" smtClean="0"/>
-              <a:t>前回の「電卓」の文法構造に対する </a:t>
-            </a:r>
-            <a:r>
-              <a:rPr lang="en-US" altLang="ja-JP" dirty="0" smtClean="0"/>
-              <a:t>AST </a:t>
-            </a:r>
-            <a:r>
-              <a:rPr lang="ja-JP" altLang="en-US" dirty="0" smtClean="0"/>
-              <a:t>を設計しよう</a:t>
-            </a:r>
-            <a:endParaRPr lang="en-US" altLang="ja-JP" dirty="0" smtClean="0"/>
-          </a:p>
-          <a:p>
-            <a:pPr lvl="1"/>
-            <a:r>
-              <a:rPr lang="ja-JP" altLang="en-US" dirty="0"/>
-              <a:t>できれば</a:t>
-            </a:r>
-            <a:r>
-              <a:rPr lang="ja-JP" altLang="en-US" dirty="0" smtClean="0"/>
-              <a:t>，プログラミング言語の </a:t>
-            </a:r>
-            <a:r>
-              <a:rPr lang="en-US" altLang="ja-JP" dirty="0" smtClean="0"/>
-              <a:t>AST </a:t>
-            </a:r>
-            <a:r>
-              <a:rPr lang="ja-JP" altLang="en-US" dirty="0" smtClean="0"/>
-              <a:t>に拡張しやすいように</a:t>
-            </a:r>
-            <a:endParaRPr lang="en-US" altLang="ja-JP" dirty="0" smtClean="0"/>
-          </a:p>
-          <a:p>
-            <a:pPr>
-              <a:buFont typeface="+mj-lt"/>
-              <a:buAutoNum type="arabicPeriod"/>
-            </a:pPr>
-            <a:r>
-              <a:rPr lang="ja-JP" altLang="en-US" dirty="0" smtClean="0"/>
-              <a:t>「電卓」のパーサを，計算しきった結果ではなく </a:t>
-            </a:r>
-            <a:r>
-              <a:rPr lang="en-US" altLang="ja-JP" dirty="0" smtClean="0"/>
-              <a:t>AST </a:t>
-            </a:r>
-            <a:r>
-              <a:rPr lang="ja-JP" altLang="en-US" dirty="0" smtClean="0"/>
-              <a:t>を返すようにしよう</a:t>
-            </a:r>
-            <a:endParaRPr lang="en-US" altLang="ja-JP" dirty="0" smtClean="0"/>
-          </a:p>
-          <a:p>
-            <a:pPr>
-              <a:buFont typeface="+mj-lt"/>
-              <a:buAutoNum type="arabicPeriod"/>
-            </a:pPr>
-            <a:r>
-              <a:rPr lang="ja-JP" altLang="en-US" dirty="0" smtClean="0"/>
-              <a:t>その返された </a:t>
-            </a:r>
-            <a:r>
-              <a:rPr lang="en-US" altLang="ja-JP" dirty="0" smtClean="0"/>
-              <a:t>AST </a:t>
-            </a:r>
-            <a:r>
-              <a:rPr lang="ja-JP" altLang="en-US" dirty="0" smtClean="0"/>
-              <a:t>を受け取って，計算結果を返す関数を書こう</a:t>
-            </a:r>
-            <a:endParaRPr lang="en-US" altLang="ja-JP" dirty="0" smtClean="0"/>
-          </a:p>
-          <a:p>
-            <a:pPr>
-              <a:buFont typeface="+mj-lt"/>
-              <a:buAutoNum type="arabicPeriod"/>
-            </a:pPr>
-            <a:r>
-              <a:rPr lang="en-US" altLang="ja-JP" dirty="0" smtClean="0"/>
-              <a:t>(</a:t>
-            </a:r>
-            <a:r>
-              <a:rPr lang="ja-JP" altLang="en-US" dirty="0" smtClean="0"/>
-              <a:t>参考</a:t>
-            </a:r>
-            <a:r>
-              <a:rPr lang="en-US" altLang="ja-JP" dirty="0" smtClean="0"/>
-              <a:t>) </a:t>
-            </a:r>
-            <a:r>
-              <a:rPr lang="ja-JP" altLang="en-US" dirty="0" smtClean="0"/>
-              <a:t>この </a:t>
-            </a:r>
-            <a:r>
-              <a:rPr lang="en-US" altLang="ja-JP" dirty="0" smtClean="0"/>
-              <a:t>AST </a:t>
-            </a:r>
-            <a:r>
-              <a:rPr lang="ja-JP" altLang="en-US" dirty="0" smtClean="0"/>
-              <a:t>に対して，</a:t>
-            </a:r>
-            <a:r>
-              <a:rPr lang="en-US" altLang="ja-JP" dirty="0" smtClean="0"/>
-              <a:t>pretty printer </a:t>
-            </a:r>
-            <a:r>
-              <a:rPr lang="ja-JP" altLang="en-US" dirty="0" smtClean="0"/>
-              <a:t>を作成しよう</a:t>
-            </a:r>
-            <a:endParaRPr lang="en-US" altLang="ja-JP" dirty="0" smtClean="0"/>
-          </a:p>
-          <a:p>
-            <a:pPr lvl="1"/>
-            <a:r>
-              <a:rPr lang="en-US" altLang="ja-JP" dirty="0" smtClean="0"/>
-              <a:t>AST </a:t>
-            </a:r>
-            <a:r>
-              <a:rPr lang="ja-JP" altLang="en-US" dirty="0" smtClean="0"/>
-              <a:t>に対する </a:t>
-            </a:r>
-            <a:r>
-              <a:rPr lang="en-US" altLang="ja-JP" dirty="0" smtClean="0"/>
-              <a:t>pretty printer </a:t>
-            </a:r>
-            <a:r>
-              <a:rPr lang="ja-JP" altLang="en-US" dirty="0"/>
-              <a:t>は</a:t>
-            </a:r>
-            <a:r>
-              <a:rPr lang="ja-JP" altLang="en-US" dirty="0" smtClean="0"/>
-              <a:t>，</a:t>
-            </a:r>
-            <a:r>
-              <a:rPr lang="en-US" altLang="ja-JP" dirty="0" smtClean="0"/>
-              <a:t>AST </a:t>
-            </a:r>
-            <a:r>
-              <a:rPr lang="ja-JP" altLang="en-US" dirty="0" smtClean="0"/>
-              <a:t>を受け取って，その </a:t>
-            </a:r>
-            <a:r>
-              <a:rPr lang="en-US" altLang="ja-JP" dirty="0" smtClean="0"/>
-              <a:t>AST </a:t>
-            </a:r>
-            <a:r>
-              <a:rPr lang="ja-JP" altLang="en-US" dirty="0" smtClean="0"/>
-              <a:t>の構文的意味を読みやすい形にして（たとえば，ソースコード状にする）出力するもの</a:t>
-            </a:r>
-            <a:endParaRPr lang="en-US" altLang="ja-JP" dirty="0"/>
-          </a:p>
-          <a:p>
-            <a:pPr lvl="1"/>
-            <a:r>
-              <a:rPr lang="ja-JP" altLang="en-US" dirty="0"/>
-              <a:t>これがあると</a:t>
-            </a:r>
-            <a:r>
-              <a:rPr lang="ja-JP" altLang="en-US" dirty="0" smtClean="0"/>
-              <a:t>，</a:t>
-            </a:r>
-            <a:r>
-              <a:rPr lang="en-US" altLang="ja-JP" dirty="0" smtClean="0"/>
-              <a:t>AST </a:t>
-            </a:r>
-            <a:r>
-              <a:rPr lang="ja-JP" altLang="en-US" dirty="0" smtClean="0"/>
-              <a:t>の内容を確認できるようになってデバッグがしやすくなる</a:t>
-            </a:r>
-            <a:endParaRPr lang="en-US" altLang="ja-JP" dirty="0" smtClean="0"/>
-          </a:p>
-        </p:txBody>
-      </p:sp>
-    </p:spTree>
-    <p:extLst>
-      <p:ext uri="{BB962C8B-B14F-4D97-AF65-F5344CB8AC3E}">
-        <p14:creationId xmlns:p14="http://schemas.microsoft.com/office/powerpoint/2010/main" val="3949057489"/>
-      </p:ext>
-    </p:extLst>
-  </p:cSld>
-  <p:clrMapOvr>
-    <a:masterClrMapping/>
-  </p:clrMapOvr>
-  <p:timing>
-    <p:tnLst>
-      <p:par>
-        <p:cTn id="1" dur="indefinite" restart="never" nodeType="tmRoot"/>
-      </p:par>
-    </p:tnLst>
-  </p:timing>
-</p:sld>
-</file>
-
 <file path=ppt/slides/slide2.xml><?xml version="1.0" encoding="utf-8"?>
 <p:sld xmlns:a="http://schemas.openxmlformats.org/drawingml/2006/main" xmlns:r="http://schemas.openxmlformats.org/officeDocument/2006/relationships" xmlns:p="http://schemas.openxmlformats.org/presentationml/2006/main">
   <p:cSld>
@@ -7729,11 +7433,7 @@
             </a:r>
             <a:r>
               <a:rPr lang="ja-JP" altLang="en-US" dirty="0" smtClean="0"/>
-              <a:t>は動的型付け言語の話を</a:t>
-            </a:r>
-            <a:r>
-              <a:rPr lang="ja-JP" altLang="en-US" dirty="0" smtClean="0"/>
-              <a:t>します</a:t>
+              <a:t>は動的型付け言語の話をします</a:t>
             </a:r>
             <a:endParaRPr lang="en-US" altLang="ja-JP" dirty="0" smtClean="0"/>
           </a:p>
@@ -8019,7 +7719,6 @@
               <a:rPr kumimoji="1" lang="en-US" altLang="ja-JP" dirty="0" smtClean="0"/>
               <a:t>…</a:t>
             </a:r>
-            <a:endParaRPr kumimoji="1" lang="en-US" altLang="ja-JP" dirty="0" smtClean="0"/>
           </a:p>
         </p:txBody>
       </p:sp>
@@ -8778,11 +8477,7 @@
             <a:pPr lvl="1"/>
             <a:r>
               <a:rPr lang="en-US" altLang="ja-JP" dirty="0" smtClean="0"/>
-              <a:t>Mark-sweep garbage </a:t>
-            </a:r>
-            <a:r>
-              <a:rPr lang="en-US" altLang="ja-JP" dirty="0" smtClean="0"/>
-              <a:t>collector (</a:t>
+              <a:t>Mark-sweep garbage collector (</a:t>
             </a:r>
             <a:r>
               <a:rPr lang="ja-JP" altLang="en-US" dirty="0" smtClean="0"/>
@@ -8792,7 +8487,6 @@
               <a:rPr lang="en-US" altLang="ja-JP" dirty="0" smtClean="0"/>
               <a:t>)</a:t>
             </a:r>
-            <a:endParaRPr lang="en-US" altLang="ja-JP" dirty="0" smtClean="0"/>
           </a:p>
         </p:txBody>
       </p:sp>
